--- a/軟體品質管理期中報告.pptx
+++ b/軟體品質管理期中報告.pptx
@@ -841,7 +841,7 @@
           <a:p>
             <a:fld id="{6BEDAB67-CDD4-4C56-8112-7AD939599800}" type="datetimeFigureOut">
               <a:rPr lang="zh-TW" altLang="en-US" smtClean="0"/>
-              <a:t>2019/4/18</a:t>
+              <a:t>2019/5/23</a:t>
             </a:fld>
             <a:endParaRPr lang="zh-TW" altLang="en-US"/>
           </a:p>
@@ -1092,7 +1092,7 @@
           <a:p>
             <a:fld id="{6BEDAB67-CDD4-4C56-8112-7AD939599800}" type="datetimeFigureOut">
               <a:rPr lang="zh-TW" altLang="en-US" smtClean="0"/>
-              <a:t>2019/4/18</a:t>
+              <a:t>2019/5/23</a:t>
             </a:fld>
             <a:endParaRPr lang="zh-TW" altLang="en-US"/>
           </a:p>
@@ -1406,7 +1406,7 @@
           <a:p>
             <a:fld id="{6BEDAB67-CDD4-4C56-8112-7AD939599800}" type="datetimeFigureOut">
               <a:rPr lang="zh-TW" altLang="en-US" smtClean="0"/>
-              <a:t>2019/4/18</a:t>
+              <a:t>2019/5/23</a:t>
             </a:fld>
             <a:endParaRPr lang="zh-TW" altLang="en-US"/>
           </a:p>
@@ -1747,7 +1747,7 @@
           <a:p>
             <a:fld id="{6BEDAB67-CDD4-4C56-8112-7AD939599800}" type="datetimeFigureOut">
               <a:rPr lang="zh-TW" altLang="en-US" smtClean="0"/>
-              <a:t>2019/4/18</a:t>
+              <a:t>2019/5/23</a:t>
             </a:fld>
             <a:endParaRPr lang="zh-TW" altLang="en-US"/>
           </a:p>
@@ -2061,7 +2061,7 @@
           <a:p>
             <a:fld id="{6BEDAB67-CDD4-4C56-8112-7AD939599800}" type="datetimeFigureOut">
               <a:rPr lang="zh-TW" altLang="en-US" smtClean="0"/>
-              <a:t>2019/4/18</a:t>
+              <a:t>2019/5/23</a:t>
             </a:fld>
             <a:endParaRPr lang="zh-TW" altLang="en-US"/>
           </a:p>
@@ -2454,7 +2454,7 @@
           <a:p>
             <a:fld id="{6BEDAB67-CDD4-4C56-8112-7AD939599800}" type="datetimeFigureOut">
               <a:rPr lang="zh-TW" altLang="en-US" smtClean="0"/>
-              <a:t>2019/4/18</a:t>
+              <a:t>2019/5/23</a:t>
             </a:fld>
             <a:endParaRPr lang="zh-TW" altLang="en-US"/>
           </a:p>
@@ -2624,7 +2624,7 @@
           <a:p>
             <a:fld id="{6BEDAB67-CDD4-4C56-8112-7AD939599800}" type="datetimeFigureOut">
               <a:rPr lang="zh-TW" altLang="en-US" smtClean="0"/>
-              <a:t>2019/4/18</a:t>
+              <a:t>2019/5/23</a:t>
             </a:fld>
             <a:endParaRPr lang="zh-TW" altLang="en-US"/>
           </a:p>
@@ -2804,7 +2804,7 @@
           <a:p>
             <a:fld id="{6BEDAB67-CDD4-4C56-8112-7AD939599800}" type="datetimeFigureOut">
               <a:rPr lang="zh-TW" altLang="en-US" smtClean="0"/>
-              <a:t>2019/4/18</a:t>
+              <a:t>2019/5/23</a:t>
             </a:fld>
             <a:endParaRPr lang="zh-TW" altLang="en-US"/>
           </a:p>
@@ -2980,7 +2980,7 @@
           <a:p>
             <a:fld id="{6BEDAB67-CDD4-4C56-8112-7AD939599800}" type="datetimeFigureOut">
               <a:rPr lang="zh-TW" altLang="en-US" smtClean="0"/>
-              <a:t>2019/4/18</a:t>
+              <a:t>2019/5/23</a:t>
             </a:fld>
             <a:endParaRPr lang="zh-TW" altLang="en-US"/>
           </a:p>
@@ -3227,7 +3227,7 @@
           <a:p>
             <a:fld id="{6BEDAB67-CDD4-4C56-8112-7AD939599800}" type="datetimeFigureOut">
               <a:rPr lang="zh-TW" altLang="en-US" smtClean="0"/>
-              <a:t>2019/4/18</a:t>
+              <a:t>2019/5/23</a:t>
             </a:fld>
             <a:endParaRPr lang="zh-TW" altLang="en-US"/>
           </a:p>
@@ -3459,7 +3459,7 @@
           <a:p>
             <a:fld id="{6BEDAB67-CDD4-4C56-8112-7AD939599800}" type="datetimeFigureOut">
               <a:rPr lang="zh-TW" altLang="en-US" smtClean="0"/>
-              <a:t>2019/4/18</a:t>
+              <a:t>2019/5/23</a:t>
             </a:fld>
             <a:endParaRPr lang="zh-TW" altLang="en-US"/>
           </a:p>
@@ -3833,7 +3833,7 @@
           <a:p>
             <a:fld id="{6BEDAB67-CDD4-4C56-8112-7AD939599800}" type="datetimeFigureOut">
               <a:rPr lang="zh-TW" altLang="en-US" smtClean="0"/>
-              <a:t>2019/4/18</a:t>
+              <a:t>2019/5/23</a:t>
             </a:fld>
             <a:endParaRPr lang="zh-TW" altLang="en-US"/>
           </a:p>
@@ -3956,7 +3956,7 @@
           <a:p>
             <a:fld id="{6BEDAB67-CDD4-4C56-8112-7AD939599800}" type="datetimeFigureOut">
               <a:rPr lang="zh-TW" altLang="en-US" smtClean="0"/>
-              <a:t>2019/4/18</a:t>
+              <a:t>2019/5/23</a:t>
             </a:fld>
             <a:endParaRPr lang="zh-TW" altLang="en-US"/>
           </a:p>
@@ -4051,7 +4051,7 @@
           <a:p>
             <a:fld id="{6BEDAB67-CDD4-4C56-8112-7AD939599800}" type="datetimeFigureOut">
               <a:rPr lang="zh-TW" altLang="en-US" smtClean="0"/>
-              <a:t>2019/4/18</a:t>
+              <a:t>2019/5/23</a:t>
             </a:fld>
             <a:endParaRPr lang="zh-TW" altLang="en-US"/>
           </a:p>
@@ -4306,7 +4306,7 @@
           <a:p>
             <a:fld id="{6BEDAB67-CDD4-4C56-8112-7AD939599800}" type="datetimeFigureOut">
               <a:rPr lang="zh-TW" altLang="en-US" smtClean="0"/>
-              <a:t>2019/4/18</a:t>
+              <a:t>2019/5/23</a:t>
             </a:fld>
             <a:endParaRPr lang="zh-TW" altLang="en-US"/>
           </a:p>
@@ -4569,7 +4569,7 @@
           <a:p>
             <a:fld id="{6BEDAB67-CDD4-4C56-8112-7AD939599800}" type="datetimeFigureOut">
               <a:rPr lang="zh-TW" altLang="en-US" smtClean="0"/>
-              <a:t>2019/4/18</a:t>
+              <a:t>2019/5/23</a:t>
             </a:fld>
             <a:endParaRPr lang="zh-TW" altLang="en-US"/>
           </a:p>
@@ -5312,7 +5312,7 @@
           <a:p>
             <a:fld id="{6BEDAB67-CDD4-4C56-8112-7AD939599800}" type="datetimeFigureOut">
               <a:rPr lang="zh-TW" altLang="en-US" smtClean="0"/>
-              <a:t>2019/4/18</a:t>
+              <a:t>2019/5/23</a:t>
             </a:fld>
             <a:endParaRPr lang="zh-TW" altLang="en-US"/>
           </a:p>
@@ -6146,51 +6146,219 @@
           <a:lstStyle/>
           <a:p>
             <a:r>
-              <a:rPr lang="zh-TW" altLang="en-US" dirty="0" smtClean="0"/>
-              <a:t>台灣高齡人口逐年高</a:t>
-            </a:r>
-            <a:r>
-              <a:rPr lang="zh-TW" altLang="en-US" dirty="0" smtClean="0"/>
-              <a:t>升</a:t>
-            </a:r>
-            <a:endParaRPr lang="en-US" altLang="zh-TW" dirty="0" smtClean="0"/>
-          </a:p>
-          <a:p>
-            <a:pPr lvl="1"/>
-            <a:r>
-              <a:rPr lang="zh-TW" altLang="en-US" dirty="0" smtClean="0"/>
-              <a:t>醫療技術</a:t>
-            </a:r>
+              <a:rPr lang="zh-TW" altLang="zh-TW" dirty="0"/>
+              <a:t>衛服部於</a:t>
+            </a:r>
+            <a:r>
+              <a:rPr lang="en-US" altLang="zh-TW" dirty="0"/>
+              <a:t>106 </a:t>
+            </a:r>
+            <a:r>
+              <a:rPr lang="zh-TW" altLang="zh-TW" dirty="0"/>
+              <a:t>年</a:t>
+            </a:r>
+            <a:r>
+              <a:rPr lang="en-US" altLang="zh-TW" dirty="0"/>
+              <a:t> 11 </a:t>
+            </a:r>
+            <a:r>
+              <a:rPr lang="zh-TW" altLang="zh-TW" dirty="0"/>
+              <a:t>月</a:t>
+            </a:r>
+            <a:r>
+              <a:rPr lang="en-US" altLang="zh-TW" dirty="0"/>
+              <a:t> 10 </a:t>
+            </a:r>
+            <a:r>
+              <a:rPr lang="zh-TW" altLang="zh-TW" dirty="0"/>
+              <a:t>日至</a:t>
+            </a:r>
+            <a:r>
+              <a:rPr lang="en-US" altLang="zh-TW" dirty="0"/>
+              <a:t> 107 </a:t>
+            </a:r>
+            <a:r>
+              <a:rPr lang="zh-TW" altLang="zh-TW" dirty="0"/>
+              <a:t>年</a:t>
+            </a:r>
+            <a:r>
+              <a:rPr lang="en-US" altLang="zh-TW" dirty="0"/>
+              <a:t> 1 </a:t>
+            </a:r>
+            <a:r>
+              <a:rPr lang="zh-TW" altLang="zh-TW" dirty="0"/>
+              <a:t>月</a:t>
+            </a:r>
+            <a:r>
+              <a:rPr lang="en-US" altLang="zh-TW" dirty="0"/>
+              <a:t> 31 </a:t>
+            </a:r>
+            <a:r>
+              <a:rPr lang="zh-TW" altLang="zh-TW" dirty="0"/>
+              <a:t>日 辦理實地訪查，共完成有效樣本</a:t>
+            </a:r>
+            <a:r>
+              <a:rPr lang="en-US" altLang="zh-TW" dirty="0"/>
+              <a:t> 6,920 </a:t>
+            </a:r>
+            <a:r>
+              <a:rPr lang="zh-TW" altLang="zh-TW" dirty="0"/>
+              <a:t>人，</a:t>
+            </a:r>
+            <a:r>
+              <a:rPr lang="en-US" altLang="zh-TW" dirty="0"/>
+              <a:t>106 </a:t>
+            </a:r>
+            <a:r>
+              <a:rPr lang="zh-TW" altLang="zh-TW" dirty="0"/>
+              <a:t>年</a:t>
+            </a:r>
+            <a:r>
+              <a:rPr lang="en-US" altLang="zh-TW" dirty="0"/>
+              <a:t> 9 </a:t>
+            </a:r>
+            <a:r>
+              <a:rPr lang="zh-TW" altLang="zh-TW" dirty="0"/>
+              <a:t>月底我國</a:t>
+            </a:r>
+            <a:r>
+              <a:rPr lang="en-US" altLang="zh-TW" dirty="0"/>
+              <a:t> 65 </a:t>
+            </a:r>
+            <a:r>
+              <a:rPr lang="zh-TW" altLang="zh-TW" dirty="0"/>
+              <a:t>歲以上人口數</a:t>
+            </a:r>
+            <a:r>
+              <a:rPr lang="en-US" altLang="zh-TW" dirty="0"/>
+              <a:t> 321.9 </a:t>
+            </a:r>
+            <a:r>
+              <a:rPr lang="zh-TW" altLang="zh-TW" dirty="0"/>
+              <a:t>萬人，較</a:t>
+            </a:r>
+            <a:r>
+              <a:rPr lang="en-US" altLang="zh-TW" dirty="0"/>
+              <a:t> 102 </a:t>
+            </a:r>
+            <a:r>
+              <a:rPr lang="zh-TW" altLang="zh-TW" dirty="0"/>
+              <a:t>年</a:t>
+            </a:r>
+            <a:r>
+              <a:rPr lang="en-US" altLang="zh-TW" dirty="0"/>
+              <a:t> 6 </a:t>
+            </a:r>
+            <a:r>
+              <a:rPr lang="zh-TW" altLang="zh-TW" dirty="0"/>
+              <a:t>月底增 加</a:t>
+            </a:r>
+            <a:r>
+              <a:rPr lang="en-US" altLang="zh-TW" dirty="0"/>
+              <a:t> 57.8 </a:t>
+            </a:r>
+            <a:r>
+              <a:rPr lang="zh-TW" altLang="zh-TW" dirty="0"/>
+              <a:t>萬人，成長</a:t>
+            </a:r>
+            <a:r>
+              <a:rPr lang="en-US" altLang="zh-TW" dirty="0"/>
+              <a:t> 21.9%</a:t>
+            </a:r>
+          </a:p>
+          <a:p>
             <a:r>
               <a:rPr lang="zh-TW" altLang="en-US" dirty="0"/>
-              <a:t>進步</a:t>
-            </a:r>
-            <a:endParaRPr lang="en-US" altLang="zh-TW" dirty="0" smtClean="0"/>
-          </a:p>
-          <a:p>
-            <a:endParaRPr lang="en-US" altLang="zh-TW" dirty="0"/>
-          </a:p>
-          <a:p>
-            <a:r>
-              <a:rPr lang="zh-TW" altLang="en-US" dirty="0" smtClean="0"/>
-              <a:t>年長者居家意外頻</a:t>
-            </a:r>
-            <a:r>
-              <a:rPr lang="zh-TW" altLang="en-US" dirty="0" smtClean="0"/>
-              <a:t>傳</a:t>
-            </a:r>
-            <a:endParaRPr lang="en-US" altLang="zh-TW" dirty="0" smtClean="0"/>
-          </a:p>
-          <a:p>
-            <a:pPr lvl="1"/>
-            <a:r>
-              <a:rPr lang="zh-TW" altLang="en-US" dirty="0" smtClean="0"/>
-              <a:t>少子化且年輕人大多選擇往大都市發展</a:t>
+              <a:t>內政部公布</a:t>
+            </a:r>
+            <a:r>
+              <a:rPr lang="en-US" altLang="zh-TW" dirty="0"/>
+              <a:t>2017</a:t>
+            </a:r>
+            <a:r>
+              <a:rPr lang="zh-TW" altLang="en-US" dirty="0"/>
+              <a:t>年</a:t>
+            </a:r>
+            <a:r>
+              <a:rPr lang="en-US" altLang="zh-TW" dirty="0"/>
+              <a:t>2</a:t>
+            </a:r>
+            <a:r>
+              <a:rPr lang="zh-TW" altLang="en-US" dirty="0"/>
+              <a:t>月最新的老化指標及人口結構，台灣老化指標</a:t>
+            </a:r>
+            <a:r>
+              <a:rPr lang="en-US" altLang="zh-TW" dirty="0"/>
+              <a:t>(</a:t>
+            </a:r>
+            <a:r>
+              <a:rPr lang="zh-TW" altLang="en-US" dirty="0"/>
+              <a:t>老年人口</a:t>
+            </a:r>
+            <a:r>
+              <a:rPr lang="en-US" altLang="zh-TW" dirty="0"/>
+              <a:t>/</a:t>
+            </a:r>
+            <a:r>
+              <a:rPr lang="zh-TW" altLang="en-US" dirty="0"/>
+              <a:t>幼年人口</a:t>
+            </a:r>
+            <a:r>
+              <a:rPr lang="en-US" altLang="zh-TW" dirty="0"/>
+              <a:t>)</a:t>
+            </a:r>
+            <a:r>
+              <a:rPr lang="zh-TW" altLang="en-US" dirty="0"/>
+              <a:t>首度破百，達到</a:t>
+            </a:r>
+            <a:r>
+              <a:rPr lang="en-US" altLang="zh-TW" dirty="0"/>
+              <a:t>100.18</a:t>
+            </a:r>
+            <a:r>
+              <a:rPr lang="zh-TW" altLang="en-US" dirty="0"/>
+              <a:t>，相較去年同期的</a:t>
+            </a:r>
+            <a:r>
+              <a:rPr lang="en-US" altLang="zh-TW" dirty="0"/>
+              <a:t>93.5</a:t>
+            </a:r>
+            <a:r>
+              <a:rPr lang="zh-TW" altLang="en-US" dirty="0"/>
+              <a:t>大幅增加了</a:t>
+            </a:r>
+            <a:r>
+              <a:rPr lang="en-US" altLang="zh-TW" dirty="0"/>
+              <a:t>6.68</a:t>
             </a:r>
             <a:endParaRPr lang="zh-TW" altLang="en-US" dirty="0"/>
           </a:p>
         </p:txBody>
       </p:sp>
+      <p:pic>
+        <p:nvPicPr>
+          <p:cNvPr id="4" name="圖片 3"/>
+          <p:cNvPicPr>
+            <a:picLocks noChangeAspect="1"/>
+          </p:cNvPicPr>
+          <p:nvPr/>
+        </p:nvPicPr>
+        <p:blipFill>
+          <a:blip r:embed="rId2"/>
+          <a:stretch>
+            <a:fillRect/>
+          </a:stretch>
+        </p:blipFill>
+        <p:spPr>
+          <a:xfrm>
+            <a:off x="1370624" y="3811512"/>
+            <a:ext cx="6445738" cy="2962913"/>
+          </a:xfrm>
+          <a:prstGeom prst="rect">
+            <a:avLst/>
+          </a:prstGeom>
+        </p:spPr>
+      </p:pic>
     </p:spTree>
     <p:extLst>
       <p:ext uri="{BB962C8B-B14F-4D97-AF65-F5344CB8AC3E}">
@@ -6297,18 +6465,87 @@
             </a:r>
             <a:r>
               <a:rPr lang="zh-TW" altLang="en-US" dirty="0" smtClean="0"/>
-              <a:t>，偵測老人是否跌倒</a:t>
+              <a:t>，偵測老人是否</a:t>
+            </a:r>
+            <a:r>
+              <a:rPr lang="zh-TW" altLang="en-US" dirty="0" smtClean="0"/>
+              <a:t>跌倒</a:t>
             </a:r>
             <a:endParaRPr lang="en-US" altLang="zh-TW" dirty="0" smtClean="0"/>
           </a:p>
           <a:p>
             <a:pPr lvl="1"/>
+            <a:r>
+              <a:rPr lang="zh-TW" altLang="en-US" dirty="0" smtClean="0"/>
+              <a:t>製作一個中控中心放置於家中，專門接收整合上述的數值並傳給</a:t>
+            </a:r>
+            <a:r>
+              <a:rPr lang="en-US" altLang="zh-TW" dirty="0" smtClean="0"/>
+              <a:t>app</a:t>
+            </a:r>
             <a:endParaRPr lang="en-US" altLang="zh-TW" dirty="0"/>
           </a:p>
           <a:p>
+            <a:pPr lvl="1"/>
+            <a:r>
+              <a:rPr lang="zh-TW" altLang="en-US" dirty="0" smtClean="0"/>
+              <a:t>製作一個</a:t>
+            </a:r>
+            <a:r>
+              <a:rPr lang="en-US" altLang="zh-TW" dirty="0" smtClean="0"/>
+              <a:t>app</a:t>
+            </a:r>
+            <a:r>
+              <a:rPr lang="zh-TW" altLang="en-US" dirty="0" smtClean="0"/>
+              <a:t>接收</a:t>
+            </a:r>
+            <a:r>
+              <a:rPr lang="zh-TW" altLang="en-US" dirty="0"/>
+              <a:t>及</a:t>
+            </a:r>
+            <a:r>
+              <a:rPr lang="zh-TW" altLang="en-US" dirty="0" smtClean="0"/>
+              <a:t>判斷</a:t>
+            </a:r>
+            <a:r>
+              <a:rPr lang="zh-TW" altLang="en-US" dirty="0" smtClean="0"/>
+              <a:t>中</a:t>
+            </a:r>
+            <a:r>
+              <a:rPr lang="zh-TW" altLang="en-US" dirty="0"/>
+              <a:t>控</a:t>
+            </a:r>
+            <a:r>
+              <a:rPr lang="zh-TW" altLang="en-US" dirty="0" smtClean="0"/>
+              <a:t>中心的</a:t>
+            </a:r>
+            <a:r>
+              <a:rPr lang="zh-TW" altLang="en-US" dirty="0" smtClean="0"/>
+              <a:t>回</a:t>
+            </a:r>
+            <a:r>
+              <a:rPr lang="zh-TW" altLang="en-US" dirty="0" smtClean="0"/>
+              <a:t>傳值是否異常</a:t>
+            </a:r>
+            <a:endParaRPr lang="en-US" altLang="zh-TW" dirty="0" smtClean="0"/>
+          </a:p>
+          <a:p>
+            <a:pPr lvl="1"/>
+            <a:r>
+              <a:rPr lang="zh-TW" altLang="en-US" dirty="0" smtClean="0"/>
+              <a:t>透過</a:t>
+            </a:r>
+            <a:r>
+              <a:rPr lang="en-US" altLang="zh-TW" dirty="0" smtClean="0"/>
+              <a:t>app</a:t>
+            </a:r>
+            <a:r>
+              <a:rPr lang="zh-TW" altLang="zh-TW" dirty="0" smtClean="0"/>
+              <a:t>即時</a:t>
+            </a:r>
             <a:r>
               <a:rPr lang="zh-TW" altLang="zh-TW" dirty="0"/>
-              <a:t>在發生上述情形時，可以即時傳送一段訊息給救護人員</a:t>
+              <a:t>傳送一段訊息給救護人員</a:t>
             </a:r>
             <a:endParaRPr lang="en-US" altLang="zh-TW" dirty="0" smtClean="0"/>
           </a:p>
@@ -6397,170 +6634,59 @@
           <a:lstStyle/>
           <a:p>
             <a:r>
-              <a:rPr lang="zh-TW" altLang="zh-TW" dirty="0"/>
-              <a:t>衛服部於</a:t>
-            </a:r>
-            <a:r>
-              <a:rPr lang="en-US" altLang="zh-TW" dirty="0"/>
-              <a:t>106 </a:t>
-            </a:r>
-            <a:r>
-              <a:rPr lang="zh-TW" altLang="zh-TW" dirty="0"/>
-              <a:t>年</a:t>
-            </a:r>
-            <a:r>
-              <a:rPr lang="en-US" altLang="zh-TW" dirty="0"/>
-              <a:t> 11 </a:t>
-            </a:r>
-            <a:r>
-              <a:rPr lang="zh-TW" altLang="zh-TW" dirty="0"/>
-              <a:t>月</a:t>
-            </a:r>
-            <a:r>
-              <a:rPr lang="en-US" altLang="zh-TW" dirty="0"/>
-              <a:t> 10 </a:t>
-            </a:r>
-            <a:r>
-              <a:rPr lang="zh-TW" altLang="zh-TW" dirty="0"/>
-              <a:t>日至</a:t>
-            </a:r>
-            <a:r>
-              <a:rPr lang="en-US" altLang="zh-TW" dirty="0"/>
-              <a:t> 107 </a:t>
-            </a:r>
-            <a:r>
-              <a:rPr lang="zh-TW" altLang="zh-TW" dirty="0"/>
-              <a:t>年</a:t>
-            </a:r>
-            <a:r>
-              <a:rPr lang="en-US" altLang="zh-TW" dirty="0"/>
-              <a:t> 1 </a:t>
-            </a:r>
-            <a:r>
-              <a:rPr lang="zh-TW" altLang="zh-TW" dirty="0"/>
-              <a:t>月</a:t>
-            </a:r>
-            <a:r>
-              <a:rPr lang="en-US" altLang="zh-TW" dirty="0"/>
-              <a:t> 31 </a:t>
-            </a:r>
-            <a:r>
-              <a:rPr lang="zh-TW" altLang="zh-TW" dirty="0"/>
-              <a:t>日 辦理實地訪查，共完成有效樣本</a:t>
-            </a:r>
-            <a:r>
-              <a:rPr lang="en-US" altLang="zh-TW" dirty="0"/>
-              <a:t> 6,920 </a:t>
-            </a:r>
-            <a:r>
-              <a:rPr lang="zh-TW" altLang="zh-TW" dirty="0"/>
-              <a:t>人，</a:t>
-            </a:r>
-            <a:r>
-              <a:rPr lang="en-US" altLang="zh-TW" dirty="0"/>
-              <a:t>106 </a:t>
-            </a:r>
-            <a:r>
-              <a:rPr lang="zh-TW" altLang="zh-TW" dirty="0"/>
-              <a:t>年</a:t>
-            </a:r>
-            <a:r>
-              <a:rPr lang="en-US" altLang="zh-TW" dirty="0"/>
-              <a:t> 9 </a:t>
-            </a:r>
-            <a:r>
-              <a:rPr lang="zh-TW" altLang="zh-TW" dirty="0"/>
-              <a:t>月底我國</a:t>
-            </a:r>
-            <a:r>
-              <a:rPr lang="en-US" altLang="zh-TW" dirty="0"/>
-              <a:t> 65 </a:t>
-            </a:r>
-            <a:r>
-              <a:rPr lang="zh-TW" altLang="zh-TW" dirty="0"/>
-              <a:t>歲以上人口數</a:t>
-            </a:r>
-            <a:r>
-              <a:rPr lang="en-US" altLang="zh-TW" dirty="0"/>
-              <a:t> 321.9 </a:t>
-            </a:r>
-            <a:r>
-              <a:rPr lang="zh-TW" altLang="zh-TW" dirty="0"/>
-              <a:t>萬人，較</a:t>
-            </a:r>
-            <a:r>
-              <a:rPr lang="en-US" altLang="zh-TW" dirty="0"/>
-              <a:t> 102 </a:t>
-            </a:r>
-            <a:r>
-              <a:rPr lang="zh-TW" altLang="zh-TW" dirty="0"/>
-              <a:t>年</a:t>
-            </a:r>
-            <a:r>
-              <a:rPr lang="en-US" altLang="zh-TW" dirty="0"/>
-              <a:t> 6 </a:t>
-            </a:r>
-            <a:r>
-              <a:rPr lang="zh-TW" altLang="zh-TW" dirty="0"/>
-              <a:t>月底增 加</a:t>
-            </a:r>
-            <a:r>
-              <a:rPr lang="en-US" altLang="zh-TW" dirty="0"/>
-              <a:t> 57.8 </a:t>
-            </a:r>
-            <a:r>
-              <a:rPr lang="zh-TW" altLang="zh-TW" dirty="0"/>
-              <a:t>萬人，成長</a:t>
-            </a:r>
-            <a:r>
-              <a:rPr lang="en-US" altLang="zh-TW" dirty="0"/>
-              <a:t> 21.9</a:t>
+              <a:rPr lang="zh-TW" altLang="en-US" dirty="0" smtClean="0"/>
+              <a:t>目前市面上</a:t>
             </a:r>
             <a:r>
               <a:rPr lang="en-US" altLang="zh-TW" dirty="0" smtClean="0"/>
-              <a:t>%</a:t>
-            </a:r>
-          </a:p>
-          <a:p>
-            <a:r>
-              <a:rPr lang="zh-TW" altLang="en-US" dirty="0"/>
-              <a:t>內政部公布</a:t>
-            </a:r>
-            <a:r>
-              <a:rPr lang="en-US" altLang="zh-TW" dirty="0"/>
-              <a:t>2017</a:t>
-            </a:r>
-            <a:r>
-              <a:rPr lang="zh-TW" altLang="en-US" dirty="0"/>
-              <a:t>年</a:t>
-            </a:r>
-            <a:r>
-              <a:rPr lang="en-US" altLang="zh-TW" dirty="0"/>
-              <a:t>2</a:t>
-            </a:r>
-            <a:r>
-              <a:rPr lang="zh-TW" altLang="en-US" dirty="0"/>
-              <a:t>月最新的老化指標及人口結構，台灣老化</a:t>
+              <a:t>Apple Watch Series 4</a:t>
             </a:r>
             <a:r>
               <a:rPr lang="zh-TW" altLang="en-US" dirty="0" smtClean="0"/>
-              <a:t>指標</a:t>
+              <a:t>已經具有跌倒偵測功能，其優點具有下列幾點</a:t>
+            </a:r>
+            <a:endParaRPr lang="en-US" altLang="zh-TW" dirty="0" smtClean="0"/>
+          </a:p>
+          <a:p>
+            <a:pPr lvl="1"/>
+            <a:r>
+              <a:rPr lang="zh-TW" altLang="en-US" dirty="0" smtClean="0"/>
+              <a:t>準確度高，縱使在做劇烈運動時也不容易發出警報</a:t>
+            </a:r>
+            <a:endParaRPr lang="en-US" altLang="zh-TW" dirty="0" smtClean="0"/>
+          </a:p>
+          <a:p>
+            <a:pPr lvl="1"/>
+            <a:r>
+              <a:rPr lang="zh-TW" altLang="en-US" dirty="0" smtClean="0"/>
+              <a:t>體積小攜帶方便</a:t>
+            </a:r>
+            <a:endParaRPr lang="en-US" altLang="zh-TW" dirty="0" smtClean="0"/>
+          </a:p>
+          <a:p>
+            <a:pPr lvl="1"/>
+            <a:endParaRPr lang="en-US" altLang="zh-TW" dirty="0"/>
+          </a:p>
+          <a:p>
+            <a:r>
+              <a:rPr lang="zh-TW" altLang="en-US" dirty="0" smtClean="0"/>
+              <a:t>而市面上也已有</a:t>
             </a:r>
             <a:r>
               <a:rPr lang="en-US" altLang="zh-TW" dirty="0" smtClean="0"/>
-              <a:t>(</a:t>
+              <a:t>Home</a:t>
             </a:r>
             <a:r>
               <a:rPr lang="zh-TW" altLang="en-US" dirty="0" smtClean="0"/>
-              <a:t>老年人口</a:t>
+              <a:t> </a:t>
             </a:r>
             <a:r>
               <a:rPr lang="en-US" altLang="zh-TW" dirty="0" smtClean="0"/>
-              <a:t>/</a:t>
-            </a:r>
-            <a:r>
-              <a:rPr lang="zh-TW" altLang="en-US" dirty="0" smtClean="0"/>
-              <a:t>幼年人口</a:t>
+              <a:t>8(</a:t>
+            </a:r>
+            <a:r>
+              <a:rPr lang="en-US" altLang="zh-TW" dirty="0" err="1" smtClean="0"/>
+              <a:t>Oplink</a:t>
             </a:r>
             <a:r>
               <a:rPr lang="en-US" altLang="zh-TW" dirty="0" smtClean="0"/>
@@ -6568,60 +6694,90 @@
             </a:r>
             <a:r>
               <a:rPr lang="zh-TW" altLang="en-US" dirty="0" smtClean="0"/>
-              <a:t>首度</a:t>
-            </a:r>
-            <a:r>
-              <a:rPr lang="zh-TW" altLang="en-US" dirty="0"/>
-              <a:t>破百，達到</a:t>
-            </a:r>
-            <a:r>
-              <a:rPr lang="en-US" altLang="zh-TW" dirty="0"/>
-              <a:t>100.18</a:t>
-            </a:r>
-            <a:r>
-              <a:rPr lang="zh-TW" altLang="en-US" dirty="0"/>
-              <a:t>，相較去年同期的</a:t>
-            </a:r>
-            <a:r>
-              <a:rPr lang="en-US" altLang="zh-TW" dirty="0"/>
-              <a:t>93.5</a:t>
-            </a:r>
-            <a:r>
-              <a:rPr lang="zh-TW" altLang="en-US" dirty="0"/>
-              <a:t>大幅增加了</a:t>
-            </a:r>
-            <a:r>
-              <a:rPr lang="en-US" altLang="zh-TW" dirty="0"/>
-              <a:t>6.68</a:t>
-            </a:r>
+              <a:t>具有環境照護及異常偵測功能</a:t>
+            </a:r>
+            <a:endParaRPr lang="en-US" altLang="zh-TW" dirty="0" smtClean="0"/>
+          </a:p>
+          <a:p>
+            <a:endParaRPr lang="en-US" altLang="zh-TW" dirty="0" smtClean="0"/>
+          </a:p>
+          <a:p>
+            <a:r>
+              <a:rPr lang="zh-TW" altLang="en-US" dirty="0" smtClean="0"/>
+              <a:t>但</a:t>
+            </a:r>
+            <a:r>
+              <a:rPr lang="en-US" altLang="zh-TW" dirty="0" smtClean="0"/>
+              <a:t>Apple</a:t>
+            </a:r>
+            <a:r>
+              <a:rPr lang="zh-TW" altLang="en-US" dirty="0" smtClean="0"/>
+              <a:t> </a:t>
+            </a:r>
+            <a:r>
+              <a:rPr lang="en-US" altLang="zh-TW" dirty="0" smtClean="0"/>
+              <a:t>Watch</a:t>
+            </a:r>
+            <a:r>
+              <a:rPr lang="zh-TW" altLang="en-US" dirty="0" smtClean="0"/>
+              <a:t> </a:t>
+            </a:r>
+            <a:r>
+              <a:rPr lang="en-US" altLang="zh-TW" dirty="0" smtClean="0"/>
+              <a:t>Series</a:t>
+            </a:r>
+            <a:r>
+              <a:rPr lang="zh-TW" altLang="en-US" dirty="0" smtClean="0"/>
+              <a:t> </a:t>
+            </a:r>
+            <a:r>
+              <a:rPr lang="en-US" altLang="zh-TW" dirty="0" smtClean="0"/>
+              <a:t>4</a:t>
+            </a:r>
+            <a:r>
+              <a:rPr lang="zh-TW" altLang="en-US" dirty="0" smtClean="0"/>
+              <a:t>價格落在</a:t>
+            </a:r>
+            <a:r>
+              <a:rPr lang="en-US" altLang="zh-TW" dirty="0" smtClean="0"/>
+              <a:t>12,000 – 17,000</a:t>
+            </a:r>
+            <a:r>
+              <a:rPr lang="zh-TW" altLang="en-US" dirty="0" smtClean="0"/>
+              <a:t>之間，</a:t>
+            </a:r>
+            <a:r>
+              <a:rPr lang="en-US" altLang="zh-TW" dirty="0" smtClean="0"/>
+              <a:t>Home 8</a:t>
+            </a:r>
+            <a:r>
+              <a:rPr lang="zh-TW" altLang="en-US" dirty="0" smtClean="0"/>
+              <a:t>價格約在</a:t>
+            </a:r>
+            <a:r>
+              <a:rPr lang="en-US" altLang="zh-TW" dirty="0" smtClean="0"/>
+              <a:t>9900</a:t>
+            </a:r>
+            <a:r>
+              <a:rPr lang="zh-TW" altLang="en-US" dirty="0" smtClean="0"/>
+              <a:t>，但製作我們系統的材料費整套大約在</a:t>
+            </a:r>
+            <a:r>
+              <a:rPr lang="en-US" altLang="zh-TW" dirty="0" smtClean="0"/>
+              <a:t>5000</a:t>
+            </a:r>
+            <a:r>
+              <a:rPr lang="zh-TW" altLang="en-US" dirty="0" smtClean="0"/>
+              <a:t>上下</a:t>
+            </a:r>
+            <a:endParaRPr lang="en-US" altLang="zh-TW" dirty="0" smtClean="0"/>
+          </a:p>
+          <a:p>
+            <a:pPr lvl="1"/>
             <a:endParaRPr lang="zh-TW" altLang="en-US" dirty="0"/>
           </a:p>
         </p:txBody>
       </p:sp>
-      <p:pic>
-        <p:nvPicPr>
-          <p:cNvPr id="4" name="圖片 3"/>
-          <p:cNvPicPr>
-            <a:picLocks noChangeAspect="1"/>
-          </p:cNvPicPr>
-          <p:nvPr/>
-        </p:nvPicPr>
-        <p:blipFill>
-          <a:blip r:embed="rId2"/>
-          <a:stretch>
-            <a:fillRect/>
-          </a:stretch>
-        </p:blipFill>
-        <p:spPr>
-          <a:xfrm>
-            <a:off x="1187507" y="3783038"/>
-            <a:ext cx="6285634" cy="2965292"/>
-          </a:xfrm>
-          <a:prstGeom prst="rect">
-            <a:avLst/>
-          </a:prstGeom>
-        </p:spPr>
-      </p:pic>
     </p:spTree>
     <p:extLst>
       <p:ext uri="{BB962C8B-B14F-4D97-AF65-F5344CB8AC3E}">

--- a/軟體品質管理期中報告.pptx
+++ b/軟體品質管理期中報告.pptx
@@ -12,7 +12,12 @@
     <p:sldId id="260" r:id="rId6"/>
     <p:sldId id="261" r:id="rId7"/>
     <p:sldId id="262" r:id="rId8"/>
-    <p:sldId id="263" r:id="rId9"/>
+    <p:sldId id="264" r:id="rId9"/>
+    <p:sldId id="265" r:id="rId10"/>
+    <p:sldId id="266" r:id="rId11"/>
+    <p:sldId id="267" r:id="rId12"/>
+    <p:sldId id="268" r:id="rId13"/>
+    <p:sldId id="263" r:id="rId14"/>
   </p:sldIdLst>
   <p:sldSz cx="12192000" cy="6858000"/>
   <p:notesSz cx="6858000" cy="9144000"/>
@@ -841,7 +846,7 @@
           <a:p>
             <a:fld id="{6BEDAB67-CDD4-4C56-8112-7AD939599800}" type="datetimeFigureOut">
               <a:rPr lang="zh-TW" altLang="en-US" smtClean="0"/>
-              <a:t>2019/5/23</a:t>
+              <a:t>2019/5/29</a:t>
             </a:fld>
             <a:endParaRPr lang="zh-TW" altLang="en-US"/>
           </a:p>
@@ -1092,7 +1097,7 @@
           <a:p>
             <a:fld id="{6BEDAB67-CDD4-4C56-8112-7AD939599800}" type="datetimeFigureOut">
               <a:rPr lang="zh-TW" altLang="en-US" smtClean="0"/>
-              <a:t>2019/5/23</a:t>
+              <a:t>2019/5/29</a:t>
             </a:fld>
             <a:endParaRPr lang="zh-TW" altLang="en-US"/>
           </a:p>
@@ -1406,7 +1411,7 @@
           <a:p>
             <a:fld id="{6BEDAB67-CDD4-4C56-8112-7AD939599800}" type="datetimeFigureOut">
               <a:rPr lang="zh-TW" altLang="en-US" smtClean="0"/>
-              <a:t>2019/5/23</a:t>
+              <a:t>2019/5/29</a:t>
             </a:fld>
             <a:endParaRPr lang="zh-TW" altLang="en-US"/>
           </a:p>
@@ -1747,7 +1752,7 @@
           <a:p>
             <a:fld id="{6BEDAB67-CDD4-4C56-8112-7AD939599800}" type="datetimeFigureOut">
               <a:rPr lang="zh-TW" altLang="en-US" smtClean="0"/>
-              <a:t>2019/5/23</a:t>
+              <a:t>2019/5/29</a:t>
             </a:fld>
             <a:endParaRPr lang="zh-TW" altLang="en-US"/>
           </a:p>
@@ -2061,7 +2066,7 @@
           <a:p>
             <a:fld id="{6BEDAB67-CDD4-4C56-8112-7AD939599800}" type="datetimeFigureOut">
               <a:rPr lang="zh-TW" altLang="en-US" smtClean="0"/>
-              <a:t>2019/5/23</a:t>
+              <a:t>2019/5/29</a:t>
             </a:fld>
             <a:endParaRPr lang="zh-TW" altLang="en-US"/>
           </a:p>
@@ -2454,7 +2459,7 @@
           <a:p>
             <a:fld id="{6BEDAB67-CDD4-4C56-8112-7AD939599800}" type="datetimeFigureOut">
               <a:rPr lang="zh-TW" altLang="en-US" smtClean="0"/>
-              <a:t>2019/5/23</a:t>
+              <a:t>2019/5/29</a:t>
             </a:fld>
             <a:endParaRPr lang="zh-TW" altLang="en-US"/>
           </a:p>
@@ -2624,7 +2629,7 @@
           <a:p>
             <a:fld id="{6BEDAB67-CDD4-4C56-8112-7AD939599800}" type="datetimeFigureOut">
               <a:rPr lang="zh-TW" altLang="en-US" smtClean="0"/>
-              <a:t>2019/5/23</a:t>
+              <a:t>2019/5/29</a:t>
             </a:fld>
             <a:endParaRPr lang="zh-TW" altLang="en-US"/>
           </a:p>
@@ -2804,7 +2809,7 @@
           <a:p>
             <a:fld id="{6BEDAB67-CDD4-4C56-8112-7AD939599800}" type="datetimeFigureOut">
               <a:rPr lang="zh-TW" altLang="en-US" smtClean="0"/>
-              <a:t>2019/5/23</a:t>
+              <a:t>2019/5/29</a:t>
             </a:fld>
             <a:endParaRPr lang="zh-TW" altLang="en-US"/>
           </a:p>
@@ -2980,7 +2985,7 @@
           <a:p>
             <a:fld id="{6BEDAB67-CDD4-4C56-8112-7AD939599800}" type="datetimeFigureOut">
               <a:rPr lang="zh-TW" altLang="en-US" smtClean="0"/>
-              <a:t>2019/5/23</a:t>
+              <a:t>2019/5/29</a:t>
             </a:fld>
             <a:endParaRPr lang="zh-TW" altLang="en-US"/>
           </a:p>
@@ -3227,7 +3232,7 @@
           <a:p>
             <a:fld id="{6BEDAB67-CDD4-4C56-8112-7AD939599800}" type="datetimeFigureOut">
               <a:rPr lang="zh-TW" altLang="en-US" smtClean="0"/>
-              <a:t>2019/5/23</a:t>
+              <a:t>2019/5/29</a:t>
             </a:fld>
             <a:endParaRPr lang="zh-TW" altLang="en-US"/>
           </a:p>
@@ -3459,7 +3464,7 @@
           <a:p>
             <a:fld id="{6BEDAB67-CDD4-4C56-8112-7AD939599800}" type="datetimeFigureOut">
               <a:rPr lang="zh-TW" altLang="en-US" smtClean="0"/>
-              <a:t>2019/5/23</a:t>
+              <a:t>2019/5/29</a:t>
             </a:fld>
             <a:endParaRPr lang="zh-TW" altLang="en-US"/>
           </a:p>
@@ -3833,7 +3838,7 @@
           <a:p>
             <a:fld id="{6BEDAB67-CDD4-4C56-8112-7AD939599800}" type="datetimeFigureOut">
               <a:rPr lang="zh-TW" altLang="en-US" smtClean="0"/>
-              <a:t>2019/5/23</a:t>
+              <a:t>2019/5/29</a:t>
             </a:fld>
             <a:endParaRPr lang="zh-TW" altLang="en-US"/>
           </a:p>
@@ -3956,7 +3961,7 @@
           <a:p>
             <a:fld id="{6BEDAB67-CDD4-4C56-8112-7AD939599800}" type="datetimeFigureOut">
               <a:rPr lang="zh-TW" altLang="en-US" smtClean="0"/>
-              <a:t>2019/5/23</a:t>
+              <a:t>2019/5/29</a:t>
             </a:fld>
             <a:endParaRPr lang="zh-TW" altLang="en-US"/>
           </a:p>
@@ -4051,7 +4056,7 @@
           <a:p>
             <a:fld id="{6BEDAB67-CDD4-4C56-8112-7AD939599800}" type="datetimeFigureOut">
               <a:rPr lang="zh-TW" altLang="en-US" smtClean="0"/>
-              <a:t>2019/5/23</a:t>
+              <a:t>2019/5/29</a:t>
             </a:fld>
             <a:endParaRPr lang="zh-TW" altLang="en-US"/>
           </a:p>
@@ -4306,7 +4311,7 @@
           <a:p>
             <a:fld id="{6BEDAB67-CDD4-4C56-8112-7AD939599800}" type="datetimeFigureOut">
               <a:rPr lang="zh-TW" altLang="en-US" smtClean="0"/>
-              <a:t>2019/5/23</a:t>
+              <a:t>2019/5/29</a:t>
             </a:fld>
             <a:endParaRPr lang="zh-TW" altLang="en-US"/>
           </a:p>
@@ -4569,7 +4574,7 @@
           <a:p>
             <a:fld id="{6BEDAB67-CDD4-4C56-8112-7AD939599800}" type="datetimeFigureOut">
               <a:rPr lang="zh-TW" altLang="en-US" smtClean="0"/>
-              <a:t>2019/5/23</a:t>
+              <a:t>2019/5/29</a:t>
             </a:fld>
             <a:endParaRPr lang="zh-TW" altLang="en-US"/>
           </a:p>
@@ -5312,7 +5317,7 @@
           <a:p>
             <a:fld id="{6BEDAB67-CDD4-4C56-8112-7AD939599800}" type="datetimeFigureOut">
               <a:rPr lang="zh-TW" altLang="en-US" smtClean="0"/>
-              <a:t>2019/5/23</a:t>
+              <a:t>2019/5/29</a:t>
             </a:fld>
             <a:endParaRPr lang="zh-TW" altLang="en-US"/>
           </a:p>
@@ -5955,6 +5960,449 @@
 </p:sld>
 </file>
 
+<file path=ppt/slides/slide10.xml><?xml version="1.0" encoding="utf-8"?>
+<p:sld xmlns:a="http://schemas.openxmlformats.org/drawingml/2006/main" xmlns:r="http://schemas.openxmlformats.org/officeDocument/2006/relationships" xmlns:p="http://schemas.openxmlformats.org/presentationml/2006/main">
+  <p:cSld>
+    <p:spTree>
+      <p:nvGrpSpPr>
+        <p:cNvPr id="1" name=""/>
+        <p:cNvGrpSpPr/>
+        <p:nvPr/>
+      </p:nvGrpSpPr>
+      <p:grpSpPr>
+        <a:xfrm>
+          <a:off x="0" y="0"/>
+          <a:ext cx="0" cy="0"/>
+          <a:chOff x="0" y="0"/>
+          <a:chExt cx="0" cy="0"/>
+        </a:xfrm>
+      </p:grpSpPr>
+      <p:sp>
+        <p:nvSpPr>
+          <p:cNvPr id="2" name="標題 1"/>
+          <p:cNvSpPr>
+            <a:spLocks noGrp="1"/>
+          </p:cNvSpPr>
+          <p:nvPr>
+            <p:ph type="title"/>
+          </p:nvPr>
+        </p:nvSpPr>
+        <p:spPr/>
+        <p:txBody>
+          <a:bodyPr/>
+          <a:lstStyle/>
+          <a:p>
+            <a:r>
+              <a:rPr lang="zh-TW" altLang="en-US" dirty="0">
+                <a:solidFill>
+                  <a:schemeClr val="tx1"/>
+                </a:solidFill>
+              </a:rPr>
+              <a:t>任務規劃</a:t>
+            </a:r>
+            <a:r>
+              <a:rPr lang="en-US" altLang="zh-TW" dirty="0" smtClean="0">
+                <a:solidFill>
+                  <a:schemeClr val="tx1"/>
+                </a:solidFill>
+              </a:rPr>
+              <a:t>-</a:t>
+            </a:r>
+            <a:r>
+              <a:rPr lang="zh-TW" altLang="en-US" dirty="0" smtClean="0">
+                <a:solidFill>
+                  <a:schemeClr val="tx1"/>
+                </a:solidFill>
+              </a:rPr>
+              <a:t>溫</a:t>
+            </a:r>
+            <a:r>
+              <a:rPr lang="zh-TW" altLang="en-US" dirty="0">
+                <a:solidFill>
+                  <a:schemeClr val="tx1"/>
+                </a:solidFill>
+              </a:rPr>
+              <a:t>度</a:t>
+            </a:r>
+            <a:r>
+              <a:rPr lang="zh-TW" altLang="en-US" dirty="0" smtClean="0">
+                <a:solidFill>
+                  <a:schemeClr val="tx1"/>
+                </a:solidFill>
+              </a:rPr>
+              <a:t>偵測</a:t>
+            </a:r>
+            <a:endParaRPr lang="zh-TW" altLang="en-US" dirty="0"/>
+          </a:p>
+        </p:txBody>
+      </p:sp>
+      <p:pic>
+        <p:nvPicPr>
+          <p:cNvPr id="4" name="內容版面配置區 3"/>
+          <p:cNvPicPr>
+            <a:picLocks noGrp="1" noChangeAspect="1"/>
+          </p:cNvPicPr>
+          <p:nvPr>
+            <p:ph idx="1"/>
+          </p:nvPr>
+        </p:nvPicPr>
+        <p:blipFill>
+          <a:blip r:embed="rId2">
+            <a:extLst>
+              <a:ext uri="{28A0092B-C50C-407E-A947-70E740481C1C}">
+                <a14:useLocalDpi xmlns:a14="http://schemas.microsoft.com/office/drawing/2010/main" val="0"/>
+              </a:ext>
+            </a:extLst>
+          </a:blip>
+          <a:stretch>
+            <a:fillRect/>
+          </a:stretch>
+        </p:blipFill>
+        <p:spPr>
+          <a:xfrm>
+            <a:off x="677334" y="1930400"/>
+            <a:ext cx="8596312" cy="3417696"/>
+          </a:xfrm>
+        </p:spPr>
+      </p:pic>
+    </p:spTree>
+    <p:extLst>
+      <p:ext uri="{BB962C8B-B14F-4D97-AF65-F5344CB8AC3E}">
+        <p14:creationId xmlns:p14="http://schemas.microsoft.com/office/powerpoint/2010/main" val="1783314471"/>
+      </p:ext>
+    </p:extLst>
+  </p:cSld>
+  <p:clrMapOvr>
+    <a:masterClrMapping/>
+  </p:clrMapOvr>
+</p:sld>
+</file>
+
+<file path=ppt/slides/slide11.xml><?xml version="1.0" encoding="utf-8"?>
+<p:sld xmlns:a="http://schemas.openxmlformats.org/drawingml/2006/main" xmlns:r="http://schemas.openxmlformats.org/officeDocument/2006/relationships" xmlns:p="http://schemas.openxmlformats.org/presentationml/2006/main">
+  <p:cSld>
+    <p:spTree>
+      <p:nvGrpSpPr>
+        <p:cNvPr id="1" name=""/>
+        <p:cNvGrpSpPr/>
+        <p:nvPr/>
+      </p:nvGrpSpPr>
+      <p:grpSpPr>
+        <a:xfrm>
+          <a:off x="0" y="0"/>
+          <a:ext cx="0" cy="0"/>
+          <a:chOff x="0" y="0"/>
+          <a:chExt cx="0" cy="0"/>
+        </a:xfrm>
+      </p:grpSpPr>
+      <p:sp>
+        <p:nvSpPr>
+          <p:cNvPr id="2" name="標題 1"/>
+          <p:cNvSpPr>
+            <a:spLocks noGrp="1"/>
+          </p:cNvSpPr>
+          <p:nvPr>
+            <p:ph type="title"/>
+          </p:nvPr>
+        </p:nvSpPr>
+        <p:spPr/>
+        <p:txBody>
+          <a:bodyPr/>
+          <a:lstStyle/>
+          <a:p>
+            <a:r>
+              <a:rPr lang="zh-TW" altLang="en-US" dirty="0">
+                <a:solidFill>
+                  <a:schemeClr val="tx1"/>
+                </a:solidFill>
+              </a:rPr>
+              <a:t>任務規劃</a:t>
+            </a:r>
+            <a:r>
+              <a:rPr lang="en-US" altLang="zh-TW" dirty="0" smtClean="0">
+                <a:solidFill>
+                  <a:schemeClr val="tx1"/>
+                </a:solidFill>
+              </a:rPr>
+              <a:t>-</a:t>
+            </a:r>
+            <a:r>
+              <a:rPr lang="zh-TW" altLang="en-US" dirty="0" smtClean="0">
+                <a:solidFill>
+                  <a:schemeClr val="tx1"/>
+                </a:solidFill>
+              </a:rPr>
+              <a:t>跌倒偵測</a:t>
+            </a:r>
+            <a:endParaRPr lang="zh-TW" altLang="en-US" dirty="0"/>
+          </a:p>
+        </p:txBody>
+      </p:sp>
+      <p:pic>
+        <p:nvPicPr>
+          <p:cNvPr id="4" name="內容版面配置區 3"/>
+          <p:cNvPicPr>
+            <a:picLocks noGrp="1" noChangeAspect="1"/>
+          </p:cNvPicPr>
+          <p:nvPr>
+            <p:ph idx="1"/>
+          </p:nvPr>
+        </p:nvPicPr>
+        <p:blipFill>
+          <a:blip r:embed="rId2">
+            <a:extLst>
+              <a:ext uri="{28A0092B-C50C-407E-A947-70E740481C1C}">
+                <a14:useLocalDpi xmlns:a14="http://schemas.microsoft.com/office/drawing/2010/main" val="0"/>
+              </a:ext>
+            </a:extLst>
+          </a:blip>
+          <a:stretch>
+            <a:fillRect/>
+          </a:stretch>
+        </p:blipFill>
+        <p:spPr>
+          <a:xfrm>
+            <a:off x="677334" y="1930400"/>
+            <a:ext cx="7427138" cy="3881437"/>
+          </a:xfrm>
+        </p:spPr>
+      </p:pic>
+    </p:spTree>
+    <p:extLst>
+      <p:ext uri="{BB962C8B-B14F-4D97-AF65-F5344CB8AC3E}">
+        <p14:creationId xmlns:p14="http://schemas.microsoft.com/office/powerpoint/2010/main" val="3837100249"/>
+      </p:ext>
+    </p:extLst>
+  </p:cSld>
+  <p:clrMapOvr>
+    <a:masterClrMapping/>
+  </p:clrMapOvr>
+</p:sld>
+</file>
+
+<file path=ppt/slides/slide12.xml><?xml version="1.0" encoding="utf-8"?>
+<p:sld xmlns:a="http://schemas.openxmlformats.org/drawingml/2006/main" xmlns:r="http://schemas.openxmlformats.org/officeDocument/2006/relationships" xmlns:p="http://schemas.openxmlformats.org/presentationml/2006/main">
+  <p:cSld>
+    <p:spTree>
+      <p:nvGrpSpPr>
+        <p:cNvPr id="1" name=""/>
+        <p:cNvGrpSpPr/>
+        <p:nvPr/>
+      </p:nvGrpSpPr>
+      <p:grpSpPr>
+        <a:xfrm>
+          <a:off x="0" y="0"/>
+          <a:ext cx="0" cy="0"/>
+          <a:chOff x="0" y="0"/>
+          <a:chExt cx="0" cy="0"/>
+        </a:xfrm>
+      </p:grpSpPr>
+      <p:sp>
+        <p:nvSpPr>
+          <p:cNvPr id="2" name="標題 1"/>
+          <p:cNvSpPr>
+            <a:spLocks noGrp="1"/>
+          </p:cNvSpPr>
+          <p:nvPr>
+            <p:ph type="title"/>
+          </p:nvPr>
+        </p:nvSpPr>
+        <p:spPr/>
+        <p:txBody>
+          <a:bodyPr/>
+          <a:lstStyle/>
+          <a:p>
+            <a:r>
+              <a:rPr lang="zh-TW" altLang="en-US" dirty="0">
+                <a:solidFill>
+                  <a:schemeClr val="tx1"/>
+                </a:solidFill>
+              </a:rPr>
+              <a:t>任務規劃</a:t>
+            </a:r>
+            <a:r>
+              <a:rPr lang="en-US" altLang="zh-TW" dirty="0" smtClean="0">
+                <a:solidFill>
+                  <a:schemeClr val="tx1"/>
+                </a:solidFill>
+              </a:rPr>
+              <a:t>-</a:t>
+            </a:r>
+            <a:r>
+              <a:rPr lang="zh-TW" altLang="en-US" dirty="0" smtClean="0">
+                <a:solidFill>
+                  <a:schemeClr val="tx1"/>
+                </a:solidFill>
+              </a:rPr>
+              <a:t>手機</a:t>
+            </a:r>
+            <a:r>
+              <a:rPr lang="en-US" altLang="zh-TW" dirty="0" smtClean="0">
+                <a:solidFill>
+                  <a:schemeClr val="tx1"/>
+                </a:solidFill>
+              </a:rPr>
+              <a:t>app(</a:t>
+            </a:r>
+            <a:r>
+              <a:rPr lang="zh-TW" altLang="en-US" dirty="0" smtClean="0">
+                <a:solidFill>
+                  <a:schemeClr val="tx1"/>
+                </a:solidFill>
+              </a:rPr>
+              <a:t>中控中心</a:t>
+            </a:r>
+            <a:r>
+              <a:rPr lang="en-US" altLang="zh-TW" dirty="0" smtClean="0">
+                <a:solidFill>
+                  <a:schemeClr val="tx1"/>
+                </a:solidFill>
+              </a:rPr>
+              <a:t>)</a:t>
+            </a:r>
+            <a:endParaRPr lang="zh-TW" altLang="en-US" dirty="0"/>
+          </a:p>
+        </p:txBody>
+      </p:sp>
+      <p:pic>
+        <p:nvPicPr>
+          <p:cNvPr id="4" name="內容版面配置區 3"/>
+          <p:cNvPicPr>
+            <a:picLocks noGrp="1" noChangeAspect="1"/>
+          </p:cNvPicPr>
+          <p:nvPr>
+            <p:ph idx="1"/>
+          </p:nvPr>
+        </p:nvPicPr>
+        <p:blipFill>
+          <a:blip r:embed="rId2">
+            <a:extLst>
+              <a:ext uri="{28A0092B-C50C-407E-A947-70E740481C1C}">
+                <a14:useLocalDpi xmlns:a14="http://schemas.microsoft.com/office/drawing/2010/main" val="0"/>
+              </a:ext>
+            </a:extLst>
+          </a:blip>
+          <a:stretch>
+            <a:fillRect/>
+          </a:stretch>
+        </p:blipFill>
+        <p:spPr>
+          <a:xfrm>
+            <a:off x="677334" y="1930400"/>
+            <a:ext cx="8149221" cy="3881437"/>
+          </a:xfrm>
+        </p:spPr>
+      </p:pic>
+    </p:spTree>
+    <p:extLst>
+      <p:ext uri="{BB962C8B-B14F-4D97-AF65-F5344CB8AC3E}">
+        <p14:creationId xmlns:p14="http://schemas.microsoft.com/office/powerpoint/2010/main" val="1466180573"/>
+      </p:ext>
+    </p:extLst>
+  </p:cSld>
+  <p:clrMapOvr>
+    <a:masterClrMapping/>
+  </p:clrMapOvr>
+</p:sld>
+</file>
+
+<file path=ppt/slides/slide13.xml><?xml version="1.0" encoding="utf-8"?>
+<p:sld xmlns:a="http://schemas.openxmlformats.org/drawingml/2006/main" xmlns:r="http://schemas.openxmlformats.org/officeDocument/2006/relationships" xmlns:p="http://schemas.openxmlformats.org/presentationml/2006/main">
+  <p:cSld>
+    <p:spTree>
+      <p:nvGrpSpPr>
+        <p:cNvPr id="1" name=""/>
+        <p:cNvGrpSpPr/>
+        <p:nvPr/>
+      </p:nvGrpSpPr>
+      <p:grpSpPr>
+        <a:xfrm>
+          <a:off x="0" y="0"/>
+          <a:ext cx="0" cy="0"/>
+          <a:chOff x="0" y="0"/>
+          <a:chExt cx="0" cy="0"/>
+        </a:xfrm>
+      </p:grpSpPr>
+      <p:sp>
+        <p:nvSpPr>
+          <p:cNvPr id="2" name="標題 1"/>
+          <p:cNvSpPr>
+            <a:spLocks noGrp="1"/>
+          </p:cNvSpPr>
+          <p:nvPr>
+            <p:ph type="title"/>
+          </p:nvPr>
+        </p:nvSpPr>
+        <p:spPr/>
+        <p:txBody>
+          <a:bodyPr/>
+          <a:lstStyle/>
+          <a:p>
+            <a:r>
+              <a:rPr lang="zh-TW" altLang="en-US" dirty="0" smtClean="0">
+                <a:solidFill>
+                  <a:schemeClr val="tx1"/>
+                </a:solidFill>
+              </a:rPr>
+              <a:t>時程規劃</a:t>
+            </a:r>
+            <a:endParaRPr lang="zh-TW" altLang="en-US" dirty="0">
+              <a:solidFill>
+                <a:schemeClr val="tx1"/>
+              </a:solidFill>
+            </a:endParaRPr>
+          </a:p>
+        </p:txBody>
+      </p:sp>
+      <p:pic>
+        <p:nvPicPr>
+          <p:cNvPr id="4" name="內容版面配置區 3"/>
+          <p:cNvPicPr>
+            <a:picLocks noGrp="1" noChangeAspect="1"/>
+          </p:cNvPicPr>
+          <p:nvPr>
+            <p:ph idx="1"/>
+          </p:nvPr>
+        </p:nvPicPr>
+        <p:blipFill>
+          <a:blip r:embed="rId2">
+            <a:extLst>
+              <a:ext uri="{28A0092B-C50C-407E-A947-70E740481C1C}">
+                <a14:useLocalDpi xmlns:a14="http://schemas.microsoft.com/office/drawing/2010/main" val="0"/>
+              </a:ext>
+            </a:extLst>
+          </a:blip>
+          <a:stretch>
+            <a:fillRect/>
+          </a:stretch>
+        </p:blipFill>
+        <p:spPr>
+          <a:xfrm>
+            <a:off x="452890" y="2303567"/>
+            <a:ext cx="9357248" cy="2684069"/>
+          </a:xfrm>
+        </p:spPr>
+      </p:pic>
+    </p:spTree>
+    <p:extLst>
+      <p:ext uri="{BB962C8B-B14F-4D97-AF65-F5344CB8AC3E}">
+        <p14:creationId xmlns:p14="http://schemas.microsoft.com/office/powerpoint/2010/main" val="3095690569"/>
+      </p:ext>
+    </p:extLst>
+  </p:cSld>
+  <p:clrMapOvr>
+    <a:masterClrMapping/>
+  </p:clrMapOvr>
+  <p:timing>
+    <p:tnLst>
+      <p:par>
+        <p:cTn id="1" dur="indefinite" restart="never" nodeType="tmRoot"/>
+      </p:par>
+    </p:tnLst>
+  </p:timing>
+</p:sld>
+</file>
+
 <file path=ppt/slides/slide2.xml><?xml version="1.0" encoding="utf-8"?>
 <p:sld xmlns:a="http://schemas.openxmlformats.org/drawingml/2006/main" xmlns:r="http://schemas.openxmlformats.org/officeDocument/2006/relationships" xmlns:p="http://schemas.openxmlformats.org/presentationml/2006/main">
   <p:cSld>
@@ -6465,11 +6913,7 @@
             </a:r>
             <a:r>
               <a:rPr lang="zh-TW" altLang="en-US" dirty="0" smtClean="0"/>
-              <a:t>，偵測老人是否</a:t>
-            </a:r>
-            <a:r>
-              <a:rPr lang="zh-TW" altLang="en-US" dirty="0" smtClean="0"/>
-              <a:t>跌倒</a:t>
+              <a:t>，偵測老人是否跌倒</a:t>
             </a:r>
             <a:endParaRPr lang="en-US" altLang="zh-TW" dirty="0" smtClean="0"/>
           </a:p>
@@ -6505,11 +6949,7 @@
             </a:r>
             <a:r>
               <a:rPr lang="zh-TW" altLang="en-US" dirty="0" smtClean="0"/>
-              <a:t>判斷</a:t>
-            </a:r>
-            <a:r>
-              <a:rPr lang="zh-TW" altLang="en-US" dirty="0" smtClean="0"/>
-              <a:t>中</a:t>
+              <a:t>判斷中</a:t>
             </a:r>
             <a:r>
               <a:rPr lang="zh-TW" altLang="en-US" dirty="0"/>
@@ -6517,15 +6957,7 @@
             </a:r>
             <a:r>
               <a:rPr lang="zh-TW" altLang="en-US" dirty="0" smtClean="0"/>
-              <a:t>中心的</a:t>
-            </a:r>
-            <a:r>
-              <a:rPr lang="zh-TW" altLang="en-US" dirty="0" smtClean="0"/>
-              <a:t>回</a:t>
-            </a:r>
-            <a:r>
-              <a:rPr lang="zh-TW" altLang="en-US" dirty="0" smtClean="0"/>
-              <a:t>傳值是否異常</a:t>
+              <a:t>中心的回傳值是否異常</a:t>
             </a:r>
             <a:endParaRPr lang="en-US" altLang="zh-TW" dirty="0" smtClean="0"/>
           </a:p>
@@ -7173,25 +7605,176 @@
                   <a:schemeClr val="tx1"/>
                 </a:solidFill>
               </a:rPr>
-              <a:t>時程規劃</a:t>
-            </a:r>
-            <a:endParaRPr lang="zh-TW" altLang="en-US" dirty="0">
-              <a:solidFill>
-                <a:schemeClr val="tx1"/>
-              </a:solidFill>
-            </a:endParaRPr>
+              <a:t>任務規</a:t>
+            </a:r>
+            <a:r>
+              <a:rPr lang="zh-TW" altLang="en-US" dirty="0">
+                <a:solidFill>
+                  <a:schemeClr val="tx1"/>
+                </a:solidFill>
+              </a:rPr>
+              <a:t>劃</a:t>
+            </a:r>
+            <a:endParaRPr lang="zh-TW" altLang="en-US" dirty="0"/>
+          </a:p>
+        </p:txBody>
+      </p:sp>
+      <p:sp>
+        <p:nvSpPr>
+          <p:cNvPr id="3" name="內容版面配置區 2"/>
+          <p:cNvSpPr>
+            <a:spLocks noGrp="1"/>
+          </p:cNvSpPr>
+          <p:nvPr>
+            <p:ph idx="1"/>
+          </p:nvPr>
+        </p:nvSpPr>
+        <p:spPr/>
+        <p:txBody>
+          <a:bodyPr>
+            <a:normAutofit/>
+          </a:bodyPr>
+          <a:lstStyle/>
+          <a:p>
+            <a:r>
+              <a:rPr lang="zh-TW" altLang="en-US" dirty="0" smtClean="0"/>
+              <a:t>煙霧偵測</a:t>
+            </a:r>
+            <a:endParaRPr lang="en-US" altLang="zh-TW" dirty="0" smtClean="0"/>
+          </a:p>
+          <a:p>
+            <a:pPr lvl="1"/>
+            <a:r>
+              <a:rPr lang="zh-TW" altLang="en-US" dirty="0" smtClean="0"/>
+              <a:t>感測器驅動程式碼、傳送訊息程式碼、整合</a:t>
+            </a:r>
+            <a:r>
+              <a:rPr lang="en-US" altLang="zh-TW" dirty="0" err="1" smtClean="0"/>
+              <a:t>wifi</a:t>
+            </a:r>
+            <a:r>
+              <a:rPr lang="zh-TW" altLang="en-US" dirty="0" smtClean="0"/>
+              <a:t>及感測器硬體元件</a:t>
+            </a:r>
+            <a:endParaRPr lang="en-US" altLang="zh-TW" dirty="0" smtClean="0"/>
+          </a:p>
+          <a:p>
+            <a:r>
+              <a:rPr lang="zh-TW" altLang="en-US" dirty="0" smtClean="0"/>
+              <a:t>溫度偵測</a:t>
+            </a:r>
+            <a:endParaRPr lang="en-US" altLang="zh-TW" dirty="0" smtClean="0"/>
+          </a:p>
+          <a:p>
+            <a:pPr lvl="1"/>
+            <a:r>
+              <a:rPr lang="zh-TW" altLang="en-US" dirty="0" smtClean="0"/>
+              <a:t>感</a:t>
+            </a:r>
+            <a:r>
+              <a:rPr lang="zh-TW" altLang="en-US" dirty="0"/>
+              <a:t>測器驅動程式碼</a:t>
+            </a:r>
+            <a:r>
+              <a:rPr lang="zh-TW" altLang="en-US" dirty="0" smtClean="0"/>
+              <a:t>、傳送</a:t>
+            </a:r>
+            <a:r>
+              <a:rPr lang="zh-TW" altLang="en-US" dirty="0"/>
+              <a:t>訊息程式碼、整合</a:t>
+            </a:r>
+            <a:r>
+              <a:rPr lang="en-US" altLang="zh-TW" dirty="0" err="1"/>
+              <a:t>wifi</a:t>
+            </a:r>
+            <a:r>
+              <a:rPr lang="zh-TW" altLang="en-US" dirty="0"/>
+              <a:t>及感測器硬體</a:t>
+            </a:r>
+            <a:r>
+              <a:rPr lang="zh-TW" altLang="en-US" dirty="0" smtClean="0"/>
+              <a:t>元件</a:t>
+            </a:r>
+            <a:endParaRPr lang="en-US" altLang="zh-TW" dirty="0"/>
+          </a:p>
+          <a:p>
+            <a:r>
+              <a:rPr lang="zh-TW" altLang="en-US" dirty="0" smtClean="0"/>
+              <a:t>跌倒偵測</a:t>
+            </a:r>
+            <a:endParaRPr lang="en-US" altLang="zh-TW" dirty="0" smtClean="0"/>
+          </a:p>
+          <a:p>
+            <a:pPr lvl="1"/>
+            <a:r>
+              <a:rPr lang="zh-TW" altLang="en-US" dirty="0" smtClean="0"/>
+              <a:t>感</a:t>
+            </a:r>
+            <a:r>
+              <a:rPr lang="zh-TW" altLang="en-US" dirty="0"/>
+              <a:t>測器驅動程式碼</a:t>
+            </a:r>
+            <a:r>
+              <a:rPr lang="zh-TW" altLang="en-US" dirty="0" smtClean="0"/>
+              <a:t>、傳送</a:t>
+            </a:r>
+            <a:r>
+              <a:rPr lang="zh-TW" altLang="en-US" dirty="0"/>
+              <a:t>訊息程式碼、整合</a:t>
+            </a:r>
+            <a:r>
+              <a:rPr lang="en-US" altLang="zh-TW" dirty="0" err="1"/>
+              <a:t>wifi</a:t>
+            </a:r>
+            <a:r>
+              <a:rPr lang="zh-TW" altLang="en-US" dirty="0"/>
+              <a:t>及感測器硬體</a:t>
+            </a:r>
+            <a:r>
+              <a:rPr lang="zh-TW" altLang="en-US" dirty="0" smtClean="0"/>
+              <a:t>元件</a:t>
+            </a:r>
+            <a:endParaRPr lang="en-US" altLang="zh-TW" dirty="0"/>
+          </a:p>
+          <a:p>
+            <a:r>
+              <a:rPr lang="zh-TW" altLang="en-US" dirty="0"/>
+              <a:t>手機</a:t>
+            </a:r>
+            <a:r>
+              <a:rPr lang="en-US" altLang="zh-TW" dirty="0"/>
+              <a:t>app(</a:t>
+            </a:r>
+            <a:r>
+              <a:rPr lang="zh-TW" altLang="en-US" dirty="0"/>
+              <a:t>中控中心</a:t>
+            </a:r>
+            <a:r>
+              <a:rPr lang="en-US" altLang="zh-TW" dirty="0" smtClean="0"/>
+              <a:t>)</a:t>
+            </a:r>
+          </a:p>
+          <a:p>
+            <a:pPr lvl="1"/>
+            <a:r>
+              <a:rPr lang="zh-TW" altLang="en-US" dirty="0" smtClean="0"/>
+              <a:t>判斷感測器數值異常程式碼、意外發生通知程式碼、自動通報程式碼</a:t>
+            </a:r>
+            <a:endParaRPr lang="en-US" altLang="zh-TW" dirty="0" smtClean="0"/>
+          </a:p>
+          <a:p>
+            <a:pPr lvl="1"/>
+            <a:endParaRPr lang="en-US" altLang="zh-TW" dirty="0"/>
           </a:p>
         </p:txBody>
       </p:sp>
       <p:pic>
         <p:nvPicPr>
-          <p:cNvPr id="4" name="內容版面配置區 3"/>
+          <p:cNvPr id="4" name="圖片 3"/>
           <p:cNvPicPr>
-            <a:picLocks noGrp="1" noChangeAspect="1"/>
+            <a:picLocks noChangeAspect="1"/>
           </p:cNvPicPr>
-          <p:nvPr>
-            <p:ph idx="1"/>
-          </p:nvPr>
+          <p:nvPr/>
         </p:nvPicPr>
         <p:blipFill>
           <a:blip r:embed="rId2">
@@ -7207,28 +7790,134 @@
         </p:blipFill>
         <p:spPr>
           <a:xfrm>
-            <a:off x="452890" y="2303567"/>
-            <a:ext cx="9357248" cy="2684069"/>
+            <a:off x="7492984" y="2160589"/>
+            <a:ext cx="2922863" cy="2592665"/>
+          </a:xfrm>
+          <a:prstGeom prst="rect">
+            <a:avLst/>
+          </a:prstGeom>
+        </p:spPr>
+      </p:pic>
+    </p:spTree>
+    <p:extLst>
+      <p:ext uri="{BB962C8B-B14F-4D97-AF65-F5344CB8AC3E}">
+        <p14:creationId xmlns:p14="http://schemas.microsoft.com/office/powerpoint/2010/main" val="305187055"/>
+      </p:ext>
+    </p:extLst>
+  </p:cSld>
+  <p:clrMapOvr>
+    <a:masterClrMapping/>
+  </p:clrMapOvr>
+</p:sld>
+</file>
+
+<file path=ppt/slides/slide9.xml><?xml version="1.0" encoding="utf-8"?>
+<p:sld xmlns:a="http://schemas.openxmlformats.org/drawingml/2006/main" xmlns:r="http://schemas.openxmlformats.org/officeDocument/2006/relationships" xmlns:p="http://schemas.openxmlformats.org/presentationml/2006/main">
+  <p:cSld>
+    <p:spTree>
+      <p:nvGrpSpPr>
+        <p:cNvPr id="1" name=""/>
+        <p:cNvGrpSpPr/>
+        <p:nvPr/>
+      </p:nvGrpSpPr>
+      <p:grpSpPr>
+        <a:xfrm>
+          <a:off x="0" y="0"/>
+          <a:ext cx="0" cy="0"/>
+          <a:chOff x="0" y="0"/>
+          <a:chExt cx="0" cy="0"/>
+        </a:xfrm>
+      </p:grpSpPr>
+      <p:sp>
+        <p:nvSpPr>
+          <p:cNvPr id="2" name="標題 1"/>
+          <p:cNvSpPr>
+            <a:spLocks noGrp="1"/>
+          </p:cNvSpPr>
+          <p:nvPr>
+            <p:ph type="title"/>
+          </p:nvPr>
+        </p:nvSpPr>
+        <p:spPr/>
+        <p:txBody>
+          <a:bodyPr/>
+          <a:lstStyle/>
+          <a:p>
+            <a:r>
+              <a:rPr lang="zh-TW" altLang="en-US" dirty="0">
+                <a:solidFill>
+                  <a:schemeClr val="tx1"/>
+                </a:solidFill>
+              </a:rPr>
+              <a:t>任務</a:t>
+            </a:r>
+            <a:r>
+              <a:rPr lang="zh-TW" altLang="en-US" dirty="0" smtClean="0">
+                <a:solidFill>
+                  <a:schemeClr val="tx1"/>
+                </a:solidFill>
+              </a:rPr>
+              <a:t>規劃</a:t>
+            </a:r>
+            <a:r>
+              <a:rPr lang="en-US" altLang="zh-TW" dirty="0" smtClean="0">
+                <a:solidFill>
+                  <a:schemeClr val="tx1"/>
+                </a:solidFill>
+              </a:rPr>
+              <a:t>-</a:t>
+            </a:r>
+            <a:r>
+              <a:rPr lang="zh-TW" altLang="en-US" dirty="0" smtClean="0">
+                <a:solidFill>
+                  <a:schemeClr val="tx1"/>
+                </a:solidFill>
+              </a:rPr>
+              <a:t>煙霧偵測</a:t>
+            </a:r>
+            <a:endParaRPr lang="zh-TW" altLang="en-US" dirty="0"/>
+          </a:p>
+        </p:txBody>
+      </p:sp>
+      <p:pic>
+        <p:nvPicPr>
+          <p:cNvPr id="4" name="內容版面配置區 3"/>
+          <p:cNvPicPr>
+            <a:picLocks noGrp="1" noChangeAspect="1"/>
+          </p:cNvPicPr>
+          <p:nvPr>
+            <p:ph idx="1"/>
+          </p:nvPr>
+        </p:nvPicPr>
+        <p:blipFill>
+          <a:blip r:embed="rId2">
+            <a:extLst>
+              <a:ext uri="{28A0092B-C50C-407E-A947-70E740481C1C}">
+                <a14:useLocalDpi xmlns:a14="http://schemas.microsoft.com/office/drawing/2010/main" val="0"/>
+              </a:ext>
+            </a:extLst>
+          </a:blip>
+          <a:stretch>
+            <a:fillRect/>
+          </a:stretch>
+        </p:blipFill>
+        <p:spPr>
+          <a:xfrm>
+            <a:off x="677334" y="1930400"/>
+            <a:ext cx="8596312" cy="3872127"/>
           </a:xfrm>
         </p:spPr>
       </p:pic>
     </p:spTree>
     <p:extLst>
       <p:ext uri="{BB962C8B-B14F-4D97-AF65-F5344CB8AC3E}">
-        <p14:creationId xmlns:p14="http://schemas.microsoft.com/office/powerpoint/2010/main" val="3095690569"/>
+        <p14:creationId xmlns:p14="http://schemas.microsoft.com/office/powerpoint/2010/main" val="953819066"/>
       </p:ext>
     </p:extLst>
   </p:cSld>
   <p:clrMapOvr>
     <a:masterClrMapping/>
   </p:clrMapOvr>
-  <p:timing>
-    <p:tnLst>
-      <p:par>
-        <p:cTn id="1" dur="indefinite" restart="never" nodeType="tmRoot"/>
-      </p:par>
-    </p:tnLst>
-  </p:timing>
 </p:sld>
 </file>
 
